--- a/Document/마커이미지.pptx
+++ b/Document/마커이미지.pptx
@@ -8,9 +8,16 @@
     <p:sldId id="256" r:id="rId2"/>
     <p:sldId id="257" r:id="rId3"/>
     <p:sldId id="258" r:id="rId4"/>
-    <p:sldId id="259" r:id="rId5"/>
-    <p:sldId id="260" r:id="rId6"/>
-    <p:sldId id="261" r:id="rId7"/>
+    <p:sldId id="262" r:id="rId5"/>
+    <p:sldId id="263" r:id="rId6"/>
+    <p:sldId id="264" r:id="rId7"/>
+    <p:sldId id="265" r:id="rId8"/>
+    <p:sldId id="266" r:id="rId9"/>
+    <p:sldId id="267" r:id="rId10"/>
+    <p:sldId id="268" r:id="rId11"/>
+    <p:sldId id="259" r:id="rId12"/>
+    <p:sldId id="260" r:id="rId13"/>
+    <p:sldId id="261" r:id="rId14"/>
   </p:sldIdLst>
   <p:sldSz cx="12192000" cy="6858000"/>
   <p:notesSz cx="6858000" cy="9144000"/>
@@ -264,7 +271,7 @@
           <a:p>
             <a:fld id="{26F1AEF0-D975-460A-8588-55827B932D04}" type="datetimeFigureOut">
               <a:rPr lang="ko-KR" altLang="en-US" smtClean="0"/>
-              <a:t>2019-07-07</a:t>
+              <a:t>2019-07-13</a:t>
             </a:fld>
             <a:endParaRPr lang="ko-KR" altLang="en-US"/>
           </a:p>
@@ -462,7 +469,7 @@
           <a:p>
             <a:fld id="{26F1AEF0-D975-460A-8588-55827B932D04}" type="datetimeFigureOut">
               <a:rPr lang="ko-KR" altLang="en-US" smtClean="0"/>
-              <a:t>2019-07-07</a:t>
+              <a:t>2019-07-13</a:t>
             </a:fld>
             <a:endParaRPr lang="ko-KR" altLang="en-US"/>
           </a:p>
@@ -670,7 +677,7 @@
           <a:p>
             <a:fld id="{26F1AEF0-D975-460A-8588-55827B932D04}" type="datetimeFigureOut">
               <a:rPr lang="ko-KR" altLang="en-US" smtClean="0"/>
-              <a:t>2019-07-07</a:t>
+              <a:t>2019-07-13</a:t>
             </a:fld>
             <a:endParaRPr lang="ko-KR" altLang="en-US"/>
           </a:p>
@@ -868,7 +875,7 @@
           <a:p>
             <a:fld id="{26F1AEF0-D975-460A-8588-55827B932D04}" type="datetimeFigureOut">
               <a:rPr lang="ko-KR" altLang="en-US" smtClean="0"/>
-              <a:t>2019-07-07</a:t>
+              <a:t>2019-07-13</a:t>
             </a:fld>
             <a:endParaRPr lang="ko-KR" altLang="en-US"/>
           </a:p>
@@ -1143,7 +1150,7 @@
           <a:p>
             <a:fld id="{26F1AEF0-D975-460A-8588-55827B932D04}" type="datetimeFigureOut">
               <a:rPr lang="ko-KR" altLang="en-US" smtClean="0"/>
-              <a:t>2019-07-07</a:t>
+              <a:t>2019-07-13</a:t>
             </a:fld>
             <a:endParaRPr lang="ko-KR" altLang="en-US"/>
           </a:p>
@@ -1408,7 +1415,7 @@
           <a:p>
             <a:fld id="{26F1AEF0-D975-460A-8588-55827B932D04}" type="datetimeFigureOut">
               <a:rPr lang="ko-KR" altLang="en-US" smtClean="0"/>
-              <a:t>2019-07-07</a:t>
+              <a:t>2019-07-13</a:t>
             </a:fld>
             <a:endParaRPr lang="ko-KR" altLang="en-US"/>
           </a:p>
@@ -1820,7 +1827,7 @@
           <a:p>
             <a:fld id="{26F1AEF0-D975-460A-8588-55827B932D04}" type="datetimeFigureOut">
               <a:rPr lang="ko-KR" altLang="en-US" smtClean="0"/>
-              <a:t>2019-07-07</a:t>
+              <a:t>2019-07-13</a:t>
             </a:fld>
             <a:endParaRPr lang="ko-KR" altLang="en-US"/>
           </a:p>
@@ -1961,7 +1968,7 @@
           <a:p>
             <a:fld id="{26F1AEF0-D975-460A-8588-55827B932D04}" type="datetimeFigureOut">
               <a:rPr lang="ko-KR" altLang="en-US" smtClean="0"/>
-              <a:t>2019-07-07</a:t>
+              <a:t>2019-07-13</a:t>
             </a:fld>
             <a:endParaRPr lang="ko-KR" altLang="en-US"/>
           </a:p>
@@ -2074,7 +2081,7 @@
           <a:p>
             <a:fld id="{26F1AEF0-D975-460A-8588-55827B932D04}" type="datetimeFigureOut">
               <a:rPr lang="ko-KR" altLang="en-US" smtClean="0"/>
-              <a:t>2019-07-07</a:t>
+              <a:t>2019-07-13</a:t>
             </a:fld>
             <a:endParaRPr lang="ko-KR" altLang="en-US"/>
           </a:p>
@@ -2385,7 +2392,7 @@
           <a:p>
             <a:fld id="{26F1AEF0-D975-460A-8588-55827B932D04}" type="datetimeFigureOut">
               <a:rPr lang="ko-KR" altLang="en-US" smtClean="0"/>
-              <a:t>2019-07-07</a:t>
+              <a:t>2019-07-13</a:t>
             </a:fld>
             <a:endParaRPr lang="ko-KR" altLang="en-US"/>
           </a:p>
@@ -2673,7 +2680,7 @@
           <a:p>
             <a:fld id="{26F1AEF0-D975-460A-8588-55827B932D04}" type="datetimeFigureOut">
               <a:rPr lang="ko-KR" altLang="en-US" smtClean="0"/>
-              <a:t>2019-07-07</a:t>
+              <a:t>2019-07-13</a:t>
             </a:fld>
             <a:endParaRPr lang="ko-KR" altLang="en-US"/>
           </a:p>
@@ -2914,7 +2921,7 @@
           <a:p>
             <a:fld id="{26F1AEF0-D975-460A-8588-55827B932D04}" type="datetimeFigureOut">
               <a:rPr lang="ko-KR" altLang="en-US" smtClean="0"/>
-              <a:t>2019-07-07</a:t>
+              <a:t>2019-07-13</a:t>
             </a:fld>
             <a:endParaRPr lang="ko-KR" altLang="en-US"/>
           </a:p>
@@ -3380,6 +3387,264 @@
 </p:sld>
 </file>
 
+<file path=ppt/slides/slide10.xml><?xml version="1.0" encoding="utf-8"?>
+<p:sld xmlns:a="http://schemas.openxmlformats.org/drawingml/2006/main" xmlns:r="http://schemas.openxmlformats.org/officeDocument/2006/relationships" xmlns:p="http://schemas.openxmlformats.org/presentationml/2006/main">
+  <p:cSld>
+    <p:spTree>
+      <p:nvGrpSpPr>
+        <p:cNvPr id="1" name=""/>
+        <p:cNvGrpSpPr/>
+        <p:nvPr/>
+      </p:nvGrpSpPr>
+      <p:grpSpPr>
+        <a:xfrm>
+          <a:off x="0" y="0"/>
+          <a:ext cx="0" cy="0"/>
+          <a:chOff x="0" y="0"/>
+          <a:chExt cx="0" cy="0"/>
+        </a:xfrm>
+      </p:grpSpPr>
+      <p:pic>
+        <p:nvPicPr>
+          <p:cNvPr id="4" name="그림 3">
+            <a:extLst>
+              <a:ext uri="{FF2B5EF4-FFF2-40B4-BE49-F238E27FC236}">
+                <a16:creationId xmlns:a16="http://schemas.microsoft.com/office/drawing/2014/main" id="{E7231055-BF58-49AA-AFD1-27CD9F4D2A3E}"/>
+              </a:ext>
+            </a:extLst>
+          </p:cNvPr>
+          <p:cNvPicPr>
+            <a:picLocks noChangeAspect="1"/>
+          </p:cNvPicPr>
+          <p:nvPr/>
+        </p:nvPicPr>
+        <p:blipFill>
+          <a:blip r:embed="rId2">
+            <a:extLst>
+              <a:ext uri="{28A0092B-C50C-407E-A947-70E740481C1C}">
+                <a14:useLocalDpi xmlns:a14="http://schemas.microsoft.com/office/drawing/2010/main" val="0"/>
+              </a:ext>
+            </a:extLst>
+          </a:blip>
+          <a:stretch>
+            <a:fillRect/>
+          </a:stretch>
+        </p:blipFill>
+        <p:spPr>
+          <a:xfrm>
+            <a:off x="3938587" y="1271587"/>
+            <a:ext cx="4314825" cy="4314825"/>
+          </a:xfrm>
+          <a:prstGeom prst="rect">
+            <a:avLst/>
+          </a:prstGeom>
+        </p:spPr>
+      </p:pic>
+    </p:spTree>
+    <p:extLst>
+      <p:ext uri="{BB962C8B-B14F-4D97-AF65-F5344CB8AC3E}">
+        <p14:creationId xmlns:p14="http://schemas.microsoft.com/office/powerpoint/2010/main" val="3115918530"/>
+      </p:ext>
+    </p:extLst>
+  </p:cSld>
+  <p:clrMapOvr>
+    <a:masterClrMapping/>
+  </p:clrMapOvr>
+</p:sld>
+</file>
+
+<file path=ppt/slides/slide11.xml><?xml version="1.0" encoding="utf-8"?>
+<p:sld xmlns:a="http://schemas.openxmlformats.org/drawingml/2006/main" xmlns:r="http://schemas.openxmlformats.org/officeDocument/2006/relationships" xmlns:p="http://schemas.openxmlformats.org/presentationml/2006/main">
+  <p:cSld>
+    <p:spTree>
+      <p:nvGrpSpPr>
+        <p:cNvPr id="1" name=""/>
+        <p:cNvGrpSpPr/>
+        <p:nvPr/>
+      </p:nvGrpSpPr>
+      <p:grpSpPr>
+        <a:xfrm>
+          <a:off x="0" y="0"/>
+          <a:ext cx="0" cy="0"/>
+          <a:chOff x="0" y="0"/>
+          <a:chExt cx="0" cy="0"/>
+        </a:xfrm>
+      </p:grpSpPr>
+      <p:pic>
+        <p:nvPicPr>
+          <p:cNvPr id="4" name="그림 3">
+            <a:extLst>
+              <a:ext uri="{FF2B5EF4-FFF2-40B4-BE49-F238E27FC236}">
+                <a16:creationId xmlns:a16="http://schemas.microsoft.com/office/drawing/2014/main" id="{B4CD3AF4-6BBF-4015-A06E-B150E7595FD4}"/>
+              </a:ext>
+            </a:extLst>
+          </p:cNvPr>
+          <p:cNvPicPr>
+            <a:picLocks noChangeAspect="1"/>
+          </p:cNvPicPr>
+          <p:nvPr/>
+        </p:nvPicPr>
+        <p:blipFill>
+          <a:blip r:embed="rId2"/>
+          <a:stretch>
+            <a:fillRect/>
+          </a:stretch>
+        </p:blipFill>
+        <p:spPr>
+          <a:xfrm>
+            <a:off x="4667250" y="2000250"/>
+            <a:ext cx="2857500" cy="2857500"/>
+          </a:xfrm>
+          <a:prstGeom prst="rect">
+            <a:avLst/>
+          </a:prstGeom>
+        </p:spPr>
+      </p:pic>
+    </p:spTree>
+    <p:extLst>
+      <p:ext uri="{BB962C8B-B14F-4D97-AF65-F5344CB8AC3E}">
+        <p14:creationId xmlns:p14="http://schemas.microsoft.com/office/powerpoint/2010/main" val="3814918904"/>
+      </p:ext>
+    </p:extLst>
+  </p:cSld>
+  <p:clrMapOvr>
+    <a:masterClrMapping/>
+  </p:clrMapOvr>
+</p:sld>
+</file>
+
+<file path=ppt/slides/slide12.xml><?xml version="1.0" encoding="utf-8"?>
+<p:sld xmlns:a="http://schemas.openxmlformats.org/drawingml/2006/main" xmlns:r="http://schemas.openxmlformats.org/officeDocument/2006/relationships" xmlns:p="http://schemas.openxmlformats.org/presentationml/2006/main">
+  <p:cSld>
+    <p:spTree>
+      <p:nvGrpSpPr>
+        <p:cNvPr id="1" name=""/>
+        <p:cNvGrpSpPr/>
+        <p:nvPr/>
+      </p:nvGrpSpPr>
+      <p:grpSpPr>
+        <a:xfrm>
+          <a:off x="0" y="0"/>
+          <a:ext cx="0" cy="0"/>
+          <a:chOff x="0" y="0"/>
+          <a:chExt cx="0" cy="0"/>
+        </a:xfrm>
+      </p:grpSpPr>
+      <p:pic>
+        <p:nvPicPr>
+          <p:cNvPr id="3" name="그림 2">
+            <a:extLst>
+              <a:ext uri="{FF2B5EF4-FFF2-40B4-BE49-F238E27FC236}">
+                <a16:creationId xmlns:a16="http://schemas.microsoft.com/office/drawing/2014/main" id="{0FA97003-B59D-4330-838D-E0FDE4A0E09C}"/>
+              </a:ext>
+            </a:extLst>
+          </p:cNvPr>
+          <p:cNvPicPr>
+            <a:picLocks noChangeAspect="1"/>
+          </p:cNvPicPr>
+          <p:nvPr/>
+        </p:nvPicPr>
+        <p:blipFill>
+          <a:blip r:embed="rId2">
+            <a:extLst>
+              <a:ext uri="{28A0092B-C50C-407E-A947-70E740481C1C}">
+                <a14:useLocalDpi xmlns:a14="http://schemas.microsoft.com/office/drawing/2010/main" val="0"/>
+              </a:ext>
+            </a:extLst>
+          </a:blip>
+          <a:stretch>
+            <a:fillRect/>
+          </a:stretch>
+        </p:blipFill>
+        <p:spPr>
+          <a:xfrm>
+            <a:off x="4667250" y="2000250"/>
+            <a:ext cx="2857500" cy="2857500"/>
+          </a:xfrm>
+          <a:prstGeom prst="rect">
+            <a:avLst/>
+          </a:prstGeom>
+        </p:spPr>
+      </p:pic>
+    </p:spTree>
+    <p:extLst>
+      <p:ext uri="{BB962C8B-B14F-4D97-AF65-F5344CB8AC3E}">
+        <p14:creationId xmlns:p14="http://schemas.microsoft.com/office/powerpoint/2010/main" val="3261458405"/>
+      </p:ext>
+    </p:extLst>
+  </p:cSld>
+  <p:clrMapOvr>
+    <a:masterClrMapping/>
+  </p:clrMapOvr>
+</p:sld>
+</file>
+
+<file path=ppt/slides/slide13.xml><?xml version="1.0" encoding="utf-8"?>
+<p:sld xmlns:a="http://schemas.openxmlformats.org/drawingml/2006/main" xmlns:r="http://schemas.openxmlformats.org/officeDocument/2006/relationships" xmlns:p="http://schemas.openxmlformats.org/presentationml/2006/main">
+  <p:cSld>
+    <p:spTree>
+      <p:nvGrpSpPr>
+        <p:cNvPr id="1" name=""/>
+        <p:cNvGrpSpPr/>
+        <p:nvPr/>
+      </p:nvGrpSpPr>
+      <p:grpSpPr>
+        <a:xfrm>
+          <a:off x="0" y="0"/>
+          <a:ext cx="0" cy="0"/>
+          <a:chOff x="0" y="0"/>
+          <a:chExt cx="0" cy="0"/>
+        </a:xfrm>
+      </p:grpSpPr>
+      <p:pic>
+        <p:nvPicPr>
+          <p:cNvPr id="5" name="그림 4">
+            <a:extLst>
+              <a:ext uri="{FF2B5EF4-FFF2-40B4-BE49-F238E27FC236}">
+                <a16:creationId xmlns:a16="http://schemas.microsoft.com/office/drawing/2014/main" id="{55ACDDEA-FECF-4F2A-895F-0DA6F7BADAA3}"/>
+              </a:ext>
+            </a:extLst>
+          </p:cNvPr>
+          <p:cNvPicPr>
+            <a:picLocks noChangeAspect="1"/>
+          </p:cNvPicPr>
+          <p:nvPr/>
+        </p:nvPicPr>
+        <p:blipFill>
+          <a:blip r:embed="rId2">
+            <a:extLst>
+              <a:ext uri="{28A0092B-C50C-407E-A947-70E740481C1C}">
+                <a14:useLocalDpi xmlns:a14="http://schemas.microsoft.com/office/drawing/2010/main" val="0"/>
+              </a:ext>
+            </a:extLst>
+          </a:blip>
+          <a:stretch>
+            <a:fillRect/>
+          </a:stretch>
+        </p:blipFill>
+        <p:spPr>
+          <a:xfrm>
+            <a:off x="4667250" y="2000250"/>
+            <a:ext cx="2857500" cy="2857500"/>
+          </a:xfrm>
+          <a:prstGeom prst="rect">
+            <a:avLst/>
+          </a:prstGeom>
+        </p:spPr>
+      </p:pic>
+    </p:spTree>
+    <p:extLst>
+      <p:ext uri="{BB962C8B-B14F-4D97-AF65-F5344CB8AC3E}">
+        <p14:creationId xmlns:p14="http://schemas.microsoft.com/office/powerpoint/2010/main" val="2520521604"/>
+      </p:ext>
+    </p:extLst>
+  </p:cSld>
+  <p:clrMapOvr>
+    <a:masterClrMapping/>
+  </p:clrMapOvr>
+</p:sld>
+</file>
+
 <file path=ppt/slides/slide2.xml><?xml version="1.0" encoding="utf-8"?>
 <p:sld xmlns:a="http://schemas.openxmlformats.org/drawingml/2006/main" xmlns:r="http://schemas.openxmlformats.org/officeDocument/2006/relationships" xmlns:p="http://schemas.openxmlformats.org/presentationml/2006/main">
   <p:cSld>
@@ -3531,10 +3796,10 @@
       </p:grpSpPr>
       <p:pic>
         <p:nvPicPr>
-          <p:cNvPr id="4" name="그림 3">
-            <a:extLst>
-              <a:ext uri="{FF2B5EF4-FFF2-40B4-BE49-F238E27FC236}">
-                <a16:creationId xmlns:a16="http://schemas.microsoft.com/office/drawing/2014/main" id="{B4CD3AF4-6BBF-4015-A06E-B150E7595FD4}"/>
+          <p:cNvPr id="18" name="그림 17">
+            <a:extLst>
+              <a:ext uri="{FF2B5EF4-FFF2-40B4-BE49-F238E27FC236}">
+                <a16:creationId xmlns:a16="http://schemas.microsoft.com/office/drawing/2014/main" id="{C57C00D5-14FD-4DC5-850A-4AE3064EB3EC}"/>
               </a:ext>
             </a:extLst>
           </p:cNvPr>
@@ -3544,15 +3809,21 @@
           <p:nvPr/>
         </p:nvPicPr>
         <p:blipFill>
-          <a:blip r:embed="rId2"/>
+          <a:blip r:embed="rId2">
+            <a:extLst>
+              <a:ext uri="{28A0092B-C50C-407E-A947-70E740481C1C}">
+                <a14:useLocalDpi xmlns:a14="http://schemas.microsoft.com/office/drawing/2010/main" val="0"/>
+              </a:ext>
+            </a:extLst>
+          </a:blip>
           <a:stretch>
             <a:fillRect/>
           </a:stretch>
         </p:blipFill>
         <p:spPr>
           <a:xfrm>
-            <a:off x="4667250" y="2000250"/>
-            <a:ext cx="2857500" cy="2857500"/>
+            <a:off x="3938587" y="1271587"/>
+            <a:ext cx="4314825" cy="4314825"/>
           </a:xfrm>
           <a:prstGeom prst="rect">
             <a:avLst/>
@@ -3562,7 +3833,7 @@
     </p:spTree>
     <p:extLst>
       <p:ext uri="{BB962C8B-B14F-4D97-AF65-F5344CB8AC3E}">
-        <p14:creationId xmlns:p14="http://schemas.microsoft.com/office/powerpoint/2010/main" val="3814918904"/>
+        <p14:creationId xmlns:p14="http://schemas.microsoft.com/office/powerpoint/2010/main" val="1483929789"/>
       </p:ext>
     </p:extLst>
   </p:cSld>
@@ -3594,7 +3865,7 @@
           <p:cNvPr id="3" name="그림 2">
             <a:extLst>
               <a:ext uri="{FF2B5EF4-FFF2-40B4-BE49-F238E27FC236}">
-                <a16:creationId xmlns:a16="http://schemas.microsoft.com/office/drawing/2014/main" id="{0FA97003-B59D-4330-838D-E0FDE4A0E09C}"/>
+                <a16:creationId xmlns:a16="http://schemas.microsoft.com/office/drawing/2014/main" id="{6EC79C9C-2CDE-446F-8958-2718A87E2A63}"/>
               </a:ext>
             </a:extLst>
           </p:cNvPr>
@@ -3617,8 +3888,8 @@
         </p:blipFill>
         <p:spPr>
           <a:xfrm>
-            <a:off x="4667250" y="2000250"/>
-            <a:ext cx="2857500" cy="2857500"/>
+            <a:off x="3938587" y="1271587"/>
+            <a:ext cx="4314825" cy="4314825"/>
           </a:xfrm>
           <a:prstGeom prst="rect">
             <a:avLst/>
@@ -3628,7 +3899,7 @@
     </p:spTree>
     <p:extLst>
       <p:ext uri="{BB962C8B-B14F-4D97-AF65-F5344CB8AC3E}">
-        <p14:creationId xmlns:p14="http://schemas.microsoft.com/office/powerpoint/2010/main" val="3261458405"/>
+        <p14:creationId xmlns:p14="http://schemas.microsoft.com/office/powerpoint/2010/main" val="2844065787"/>
       </p:ext>
     </p:extLst>
   </p:cSld>
@@ -3657,10 +3928,10 @@
       </p:grpSpPr>
       <p:pic>
         <p:nvPicPr>
-          <p:cNvPr id="5" name="그림 4">
-            <a:extLst>
-              <a:ext uri="{FF2B5EF4-FFF2-40B4-BE49-F238E27FC236}">
-                <a16:creationId xmlns:a16="http://schemas.microsoft.com/office/drawing/2014/main" id="{55ACDDEA-FECF-4F2A-895F-0DA6F7BADAA3}"/>
+          <p:cNvPr id="4" name="그림 3">
+            <a:extLst>
+              <a:ext uri="{FF2B5EF4-FFF2-40B4-BE49-F238E27FC236}">
+                <a16:creationId xmlns:a16="http://schemas.microsoft.com/office/drawing/2014/main" id="{8618F1A1-CEB8-4182-9537-6BC88984BC24}"/>
               </a:ext>
             </a:extLst>
           </p:cNvPr>
@@ -3683,8 +3954,8 @@
         </p:blipFill>
         <p:spPr>
           <a:xfrm>
-            <a:off x="4667250" y="2000250"/>
-            <a:ext cx="2857500" cy="2857500"/>
+            <a:off x="3938587" y="1271587"/>
+            <a:ext cx="4314825" cy="4314825"/>
           </a:xfrm>
           <a:prstGeom prst="rect">
             <a:avLst/>
@@ -3694,7 +3965,205 @@
     </p:spTree>
     <p:extLst>
       <p:ext uri="{BB962C8B-B14F-4D97-AF65-F5344CB8AC3E}">
-        <p14:creationId xmlns:p14="http://schemas.microsoft.com/office/powerpoint/2010/main" val="2520521604"/>
+        <p14:creationId xmlns:p14="http://schemas.microsoft.com/office/powerpoint/2010/main" val="2060616868"/>
+      </p:ext>
+    </p:extLst>
+  </p:cSld>
+  <p:clrMapOvr>
+    <a:masterClrMapping/>
+  </p:clrMapOvr>
+</p:sld>
+</file>
+
+<file path=ppt/slides/slide7.xml><?xml version="1.0" encoding="utf-8"?>
+<p:sld xmlns:a="http://schemas.openxmlformats.org/drawingml/2006/main" xmlns:r="http://schemas.openxmlformats.org/officeDocument/2006/relationships" xmlns:p="http://schemas.openxmlformats.org/presentationml/2006/main">
+  <p:cSld>
+    <p:spTree>
+      <p:nvGrpSpPr>
+        <p:cNvPr id="1" name=""/>
+        <p:cNvGrpSpPr/>
+        <p:nvPr/>
+      </p:nvGrpSpPr>
+      <p:grpSpPr>
+        <a:xfrm>
+          <a:off x="0" y="0"/>
+          <a:ext cx="0" cy="0"/>
+          <a:chOff x="0" y="0"/>
+          <a:chExt cx="0" cy="0"/>
+        </a:xfrm>
+      </p:grpSpPr>
+      <p:pic>
+        <p:nvPicPr>
+          <p:cNvPr id="3" name="그림 2">
+            <a:extLst>
+              <a:ext uri="{FF2B5EF4-FFF2-40B4-BE49-F238E27FC236}">
+                <a16:creationId xmlns:a16="http://schemas.microsoft.com/office/drawing/2014/main" id="{7B0AD63D-7605-42AE-B97C-EF0D818C5DC3}"/>
+              </a:ext>
+            </a:extLst>
+          </p:cNvPr>
+          <p:cNvPicPr>
+            <a:picLocks noChangeAspect="1"/>
+          </p:cNvPicPr>
+          <p:nvPr/>
+        </p:nvPicPr>
+        <p:blipFill>
+          <a:blip r:embed="rId2">
+            <a:extLst>
+              <a:ext uri="{28A0092B-C50C-407E-A947-70E740481C1C}">
+                <a14:useLocalDpi xmlns:a14="http://schemas.microsoft.com/office/drawing/2010/main" val="0"/>
+              </a:ext>
+            </a:extLst>
+          </a:blip>
+          <a:stretch>
+            <a:fillRect/>
+          </a:stretch>
+        </p:blipFill>
+        <p:spPr>
+          <a:xfrm>
+            <a:off x="3938587" y="1271587"/>
+            <a:ext cx="4314825" cy="4314825"/>
+          </a:xfrm>
+          <a:prstGeom prst="rect">
+            <a:avLst/>
+          </a:prstGeom>
+        </p:spPr>
+      </p:pic>
+    </p:spTree>
+    <p:extLst>
+      <p:ext uri="{BB962C8B-B14F-4D97-AF65-F5344CB8AC3E}">
+        <p14:creationId xmlns:p14="http://schemas.microsoft.com/office/powerpoint/2010/main" val="3753038163"/>
+      </p:ext>
+    </p:extLst>
+  </p:cSld>
+  <p:clrMapOvr>
+    <a:masterClrMapping/>
+  </p:clrMapOvr>
+</p:sld>
+</file>
+
+<file path=ppt/slides/slide8.xml><?xml version="1.0" encoding="utf-8"?>
+<p:sld xmlns:a="http://schemas.openxmlformats.org/drawingml/2006/main" xmlns:r="http://schemas.openxmlformats.org/officeDocument/2006/relationships" xmlns:p="http://schemas.openxmlformats.org/presentationml/2006/main">
+  <p:cSld>
+    <p:spTree>
+      <p:nvGrpSpPr>
+        <p:cNvPr id="1" name=""/>
+        <p:cNvGrpSpPr/>
+        <p:nvPr/>
+      </p:nvGrpSpPr>
+      <p:grpSpPr>
+        <a:xfrm>
+          <a:off x="0" y="0"/>
+          <a:ext cx="0" cy="0"/>
+          <a:chOff x="0" y="0"/>
+          <a:chExt cx="0" cy="0"/>
+        </a:xfrm>
+      </p:grpSpPr>
+      <p:pic>
+        <p:nvPicPr>
+          <p:cNvPr id="4" name="그림 3">
+            <a:extLst>
+              <a:ext uri="{FF2B5EF4-FFF2-40B4-BE49-F238E27FC236}">
+                <a16:creationId xmlns:a16="http://schemas.microsoft.com/office/drawing/2014/main" id="{7A10886D-8075-46F4-BCA4-5F77F41AFCA7}"/>
+              </a:ext>
+            </a:extLst>
+          </p:cNvPr>
+          <p:cNvPicPr>
+            <a:picLocks noChangeAspect="1"/>
+          </p:cNvPicPr>
+          <p:nvPr/>
+        </p:nvPicPr>
+        <p:blipFill>
+          <a:blip r:embed="rId2">
+            <a:extLst>
+              <a:ext uri="{28A0092B-C50C-407E-A947-70E740481C1C}">
+                <a14:useLocalDpi xmlns:a14="http://schemas.microsoft.com/office/drawing/2010/main" val="0"/>
+              </a:ext>
+            </a:extLst>
+          </a:blip>
+          <a:stretch>
+            <a:fillRect/>
+          </a:stretch>
+        </p:blipFill>
+        <p:spPr>
+          <a:xfrm>
+            <a:off x="3938587" y="1271587"/>
+            <a:ext cx="4314825" cy="4314825"/>
+          </a:xfrm>
+          <a:prstGeom prst="rect">
+            <a:avLst/>
+          </a:prstGeom>
+        </p:spPr>
+      </p:pic>
+    </p:spTree>
+    <p:extLst>
+      <p:ext uri="{BB962C8B-B14F-4D97-AF65-F5344CB8AC3E}">
+        <p14:creationId xmlns:p14="http://schemas.microsoft.com/office/powerpoint/2010/main" val="3860295144"/>
+      </p:ext>
+    </p:extLst>
+  </p:cSld>
+  <p:clrMapOvr>
+    <a:masterClrMapping/>
+  </p:clrMapOvr>
+</p:sld>
+</file>
+
+<file path=ppt/slides/slide9.xml><?xml version="1.0" encoding="utf-8"?>
+<p:sld xmlns:a="http://schemas.openxmlformats.org/drawingml/2006/main" xmlns:r="http://schemas.openxmlformats.org/officeDocument/2006/relationships" xmlns:p="http://schemas.openxmlformats.org/presentationml/2006/main">
+  <p:cSld>
+    <p:spTree>
+      <p:nvGrpSpPr>
+        <p:cNvPr id="1" name=""/>
+        <p:cNvGrpSpPr/>
+        <p:nvPr/>
+      </p:nvGrpSpPr>
+      <p:grpSpPr>
+        <a:xfrm>
+          <a:off x="0" y="0"/>
+          <a:ext cx="0" cy="0"/>
+          <a:chOff x="0" y="0"/>
+          <a:chExt cx="0" cy="0"/>
+        </a:xfrm>
+      </p:grpSpPr>
+      <p:pic>
+        <p:nvPicPr>
+          <p:cNvPr id="3" name="그림 2">
+            <a:extLst>
+              <a:ext uri="{FF2B5EF4-FFF2-40B4-BE49-F238E27FC236}">
+                <a16:creationId xmlns:a16="http://schemas.microsoft.com/office/drawing/2014/main" id="{872C2A02-1AC8-4F8A-BFA4-0907D2F39CA0}"/>
+              </a:ext>
+            </a:extLst>
+          </p:cNvPr>
+          <p:cNvPicPr>
+            <a:picLocks noChangeAspect="1"/>
+          </p:cNvPicPr>
+          <p:nvPr/>
+        </p:nvPicPr>
+        <p:blipFill>
+          <a:blip r:embed="rId2">
+            <a:extLst>
+              <a:ext uri="{28A0092B-C50C-407E-A947-70E740481C1C}">
+                <a14:useLocalDpi xmlns:a14="http://schemas.microsoft.com/office/drawing/2010/main" val="0"/>
+              </a:ext>
+            </a:extLst>
+          </a:blip>
+          <a:stretch>
+            <a:fillRect/>
+          </a:stretch>
+        </p:blipFill>
+        <p:spPr>
+          <a:xfrm>
+            <a:off x="3938587" y="1271587"/>
+            <a:ext cx="4314825" cy="4314825"/>
+          </a:xfrm>
+          <a:prstGeom prst="rect">
+            <a:avLst/>
+          </a:prstGeom>
+        </p:spPr>
+      </p:pic>
+    </p:spTree>
+    <p:extLst>
+      <p:ext uri="{BB962C8B-B14F-4D97-AF65-F5344CB8AC3E}">
+        <p14:creationId xmlns:p14="http://schemas.microsoft.com/office/powerpoint/2010/main" val="2164797106"/>
       </p:ext>
     </p:extLst>
   </p:cSld>
